--- a/content/2016/11/01/dng.pptx
+++ b/content/2016/11/01/dng.pptx
@@ -3753,12 +3753,12 @@
           <a:p>
             <a:pPr algn="ctr"/>
             <a:r>
-              <a:rPr lang="ja-JP" altLang="en-US" dirty="0" smtClean="0">
+              <a:rPr kumimoji="1" lang="ja-JP" altLang="en-US" dirty="0" smtClean="0">
                 <a:solidFill>
                   <a:schemeClr val="tx1"/>
                 </a:solidFill>
               </a:rPr>
-              <a:t>現像</a:t>
+              <a:t>保存</a:t>
             </a:r>
             <a:endParaRPr kumimoji="1" lang="ja-JP" altLang="en-US" dirty="0">
               <a:solidFill>
@@ -4006,7 +4006,7 @@
         </p:blipFill>
         <p:spPr>
           <a:xfrm>
-            <a:off x="4925422" y="2719203"/>
+            <a:off x="6290500" y="5131096"/>
             <a:ext cx="538262" cy="474937"/>
           </a:xfrm>
           <a:prstGeom prst="rect">
@@ -4096,7 +4096,7 @@
         </p:blipFill>
         <p:spPr>
           <a:xfrm>
-            <a:off x="6246006" y="5114371"/>
+            <a:off x="7331712" y="4987636"/>
             <a:ext cx="656827" cy="825725"/>
           </a:xfrm>
           <a:prstGeom prst="rect">
@@ -4295,6 +4295,98 @@
           </a:fontRef>
         </p:style>
       </p:cxnSp>
+      <p:sp>
+        <p:nvSpPr>
+          <p:cNvPr id="33" name="正方形/長方形 32"/>
+          <p:cNvSpPr/>
+          <p:nvPr/>
+        </p:nvSpPr>
+        <p:spPr>
+          <a:xfrm>
+            <a:off x="7121731" y="4560104"/>
+            <a:ext cx="1126676" cy="563285"/>
+          </a:xfrm>
+          <a:prstGeom prst="rect">
+            <a:avLst/>
+          </a:prstGeom>
+          <a:noFill/>
+          <a:ln>
+            <a:noFill/>
+          </a:ln>
+        </p:spPr>
+        <p:style>
+          <a:lnRef idx="1">
+            <a:schemeClr val="accent1"/>
+          </a:lnRef>
+          <a:fillRef idx="3">
+            <a:schemeClr val="accent1"/>
+          </a:fillRef>
+          <a:effectRef idx="2">
+            <a:schemeClr val="accent1"/>
+          </a:effectRef>
+          <a:fontRef idx="minor">
+            <a:schemeClr val="lt1"/>
+          </a:fontRef>
+        </p:style>
+        <p:txBody>
+          <a:bodyPr wrap="none" rtlCol="0" anchor="ctr"/>
+          <a:lstStyle/>
+          <a:p>
+            <a:pPr algn="ctr"/>
+            <a:r>
+              <a:rPr lang="ja-JP" altLang="en-US" dirty="0" smtClean="0">
+                <a:solidFill>
+                  <a:schemeClr val="tx1"/>
+                </a:solidFill>
+              </a:rPr>
+              <a:t>現像</a:t>
+            </a:r>
+            <a:endParaRPr kumimoji="1" lang="ja-JP" altLang="en-US" dirty="0">
+              <a:solidFill>
+                <a:schemeClr val="tx1"/>
+              </a:solidFill>
+            </a:endParaRPr>
+          </a:p>
+        </p:txBody>
+      </p:sp>
+      <p:sp>
+        <p:nvSpPr>
+          <p:cNvPr id="34" name="左矢印 33"/>
+          <p:cNvSpPr/>
+          <p:nvPr/>
+        </p:nvSpPr>
+        <p:spPr>
+          <a:xfrm rot="14257771">
+            <a:off x="6790861" y="4496760"/>
+            <a:ext cx="737434" cy="234334"/>
+          </a:xfrm>
+          <a:prstGeom prst="leftArrow">
+            <a:avLst/>
+          </a:prstGeom>
+        </p:spPr>
+        <p:style>
+          <a:lnRef idx="1">
+            <a:schemeClr val="accent1"/>
+          </a:lnRef>
+          <a:fillRef idx="3">
+            <a:schemeClr val="accent1"/>
+          </a:fillRef>
+          <a:effectRef idx="2">
+            <a:schemeClr val="accent1"/>
+          </a:effectRef>
+          <a:fontRef idx="minor">
+            <a:schemeClr val="lt1"/>
+          </a:fontRef>
+        </p:style>
+        <p:txBody>
+          <a:bodyPr rtlCol="0" anchor="ctr"/>
+          <a:lstStyle/>
+          <a:p>
+            <a:pPr algn="ctr"/>
+            <a:endParaRPr kumimoji="1" lang="ja-JP" altLang="en-US"/>
+          </a:p>
+        </p:txBody>
+      </p:sp>
     </p:spTree>
     <p:extLst>
       <p:ext uri="{BB962C8B-B14F-4D97-AF65-F5344CB8AC3E}">

--- a/content/2016/11/01/dng.pptx
+++ b/content/2016/11/01/dng.pptx
@@ -3954,8 +3954,8 @@
         </p:nvSpPr>
         <p:spPr>
           <a:xfrm rot="16200000">
-            <a:off x="6212263" y="4542720"/>
-            <a:ext cx="737434" cy="234334"/>
+            <a:off x="6164870" y="4590112"/>
+            <a:ext cx="832219" cy="234334"/>
           </a:xfrm>
           <a:prstGeom prst="leftArrow">
             <a:avLst/>
@@ -4006,7 +4006,7 @@
         </p:blipFill>
         <p:spPr>
           <a:xfrm>
-            <a:off x="6290500" y="5131096"/>
+            <a:off x="6290500" y="5213032"/>
             <a:ext cx="538262" cy="474937"/>
           </a:xfrm>
           <a:prstGeom prst="rect">
@@ -4156,7 +4156,7 @@
         </p:blipFill>
         <p:spPr>
           <a:xfrm>
-            <a:off x="6328764" y="3500440"/>
+            <a:off x="6339007" y="3490198"/>
             <a:ext cx="534447" cy="534447"/>
           </a:xfrm>
           <a:prstGeom prst="rect">
@@ -4387,6 +4387,36 @@
           </a:p>
         </p:txBody>
       </p:sp>
+      <p:pic>
+        <p:nvPicPr>
+          <p:cNvPr id="36" name="図 35" descr="スクリーンショット 2016-11-01 23.41.20.png"/>
+          <p:cNvPicPr>
+            <a:picLocks noChangeAspect="1"/>
+          </p:cNvPicPr>
+          <p:nvPr/>
+        </p:nvPicPr>
+        <p:blipFill>
+          <a:blip r:embed="rId2">
+            <a:extLst>
+              <a:ext uri="{28A0092B-C50C-407E-A947-70E740481C1C}">
+                <a14:useLocalDpi xmlns:a14="http://schemas.microsoft.com/office/drawing/2010/main" val="0"/>
+              </a:ext>
+            </a:extLst>
+          </a:blip>
+          <a:stretch>
+            <a:fillRect/>
+          </a:stretch>
+        </p:blipFill>
+        <p:spPr>
+          <a:xfrm>
+            <a:off x="4914724" y="2762771"/>
+            <a:ext cx="538262" cy="474937"/>
+          </a:xfrm>
+          <a:prstGeom prst="rect">
+            <a:avLst/>
+          </a:prstGeom>
+        </p:spPr>
+      </p:pic>
     </p:spTree>
     <p:extLst>
       <p:ext uri="{BB962C8B-B14F-4D97-AF65-F5344CB8AC3E}">
